--- a/InstaExt/docs/InstaExt_Ver1.1_画面仕様書.pptx
+++ b/InstaExt/docs/InstaExt_Ver1.1_画面仕様書.pptx
@@ -262,7 +262,7 @@
           <a:p>
             <a:fld id="{04A359D8-C195-8E4B-82CB-49993982F06D}" type="datetimeFigureOut">
               <a:rPr kumimoji="1" lang="ja-JP" altLang="en-US" smtClean="0"/>
-              <a:t>2021/3/4</a:t>
+              <a:t>2021/3/5</a:t>
             </a:fld>
             <a:endParaRPr kumimoji="1" lang="ja-JP" altLang="en-US"/>
           </a:p>
@@ -492,7 +492,7 @@
           <a:p>
             <a:fld id="{04A359D8-C195-8E4B-82CB-49993982F06D}" type="datetimeFigureOut">
               <a:rPr kumimoji="1" lang="ja-JP" altLang="en-US" smtClean="0"/>
-              <a:t>2021/3/4</a:t>
+              <a:t>2021/3/5</a:t>
             </a:fld>
             <a:endParaRPr kumimoji="1" lang="ja-JP" altLang="en-US"/>
           </a:p>
@@ -732,7 +732,7 @@
           <a:p>
             <a:fld id="{04A359D8-C195-8E4B-82CB-49993982F06D}" type="datetimeFigureOut">
               <a:rPr kumimoji="1" lang="ja-JP" altLang="en-US" smtClean="0"/>
-              <a:t>2021/3/4</a:t>
+              <a:t>2021/3/5</a:t>
             </a:fld>
             <a:endParaRPr kumimoji="1" lang="ja-JP" altLang="en-US"/>
           </a:p>
@@ -962,7 +962,7 @@
           <a:p>
             <a:fld id="{04A359D8-C195-8E4B-82CB-49993982F06D}" type="datetimeFigureOut">
               <a:rPr kumimoji="1" lang="ja-JP" altLang="en-US" smtClean="0"/>
-              <a:t>2021/3/4</a:t>
+              <a:t>2021/3/5</a:t>
             </a:fld>
             <a:endParaRPr kumimoji="1" lang="ja-JP" altLang="en-US"/>
           </a:p>
@@ -1237,7 +1237,7 @@
           <a:p>
             <a:fld id="{04A359D8-C195-8E4B-82CB-49993982F06D}" type="datetimeFigureOut">
               <a:rPr kumimoji="1" lang="ja-JP" altLang="en-US" smtClean="0"/>
-              <a:t>2021/3/4</a:t>
+              <a:t>2021/3/5</a:t>
             </a:fld>
             <a:endParaRPr kumimoji="1" lang="ja-JP" altLang="en-US"/>
           </a:p>
@@ -1566,7 +1566,7 @@
           <a:p>
             <a:fld id="{04A359D8-C195-8E4B-82CB-49993982F06D}" type="datetimeFigureOut">
               <a:rPr kumimoji="1" lang="ja-JP" altLang="en-US" smtClean="0"/>
-              <a:t>2021/3/4</a:t>
+              <a:t>2021/3/5</a:t>
             </a:fld>
             <a:endParaRPr kumimoji="1" lang="ja-JP" altLang="en-US"/>
           </a:p>
@@ -2042,7 +2042,7 @@
           <a:p>
             <a:fld id="{04A359D8-C195-8E4B-82CB-49993982F06D}" type="datetimeFigureOut">
               <a:rPr kumimoji="1" lang="ja-JP" altLang="en-US" smtClean="0"/>
-              <a:t>2021/3/4</a:t>
+              <a:t>2021/3/5</a:t>
             </a:fld>
             <a:endParaRPr kumimoji="1" lang="ja-JP" altLang="en-US"/>
           </a:p>
@@ -2183,7 +2183,7 @@
           <a:p>
             <a:fld id="{04A359D8-C195-8E4B-82CB-49993982F06D}" type="datetimeFigureOut">
               <a:rPr kumimoji="1" lang="ja-JP" altLang="en-US" smtClean="0"/>
-              <a:t>2021/3/4</a:t>
+              <a:t>2021/3/5</a:t>
             </a:fld>
             <a:endParaRPr kumimoji="1" lang="ja-JP" altLang="en-US"/>
           </a:p>
@@ -2296,7 +2296,7 @@
           <a:p>
             <a:fld id="{04A359D8-C195-8E4B-82CB-49993982F06D}" type="datetimeFigureOut">
               <a:rPr kumimoji="1" lang="ja-JP" altLang="en-US" smtClean="0"/>
-              <a:t>2021/3/4</a:t>
+              <a:t>2021/3/5</a:t>
             </a:fld>
             <a:endParaRPr kumimoji="1" lang="ja-JP" altLang="en-US"/>
           </a:p>
@@ -2639,7 +2639,7 @@
           <a:p>
             <a:fld id="{04A359D8-C195-8E4B-82CB-49993982F06D}" type="datetimeFigureOut">
               <a:rPr kumimoji="1" lang="ja-JP" altLang="en-US" smtClean="0"/>
-              <a:t>2021/3/4</a:t>
+              <a:t>2021/3/5</a:t>
             </a:fld>
             <a:endParaRPr kumimoji="1" lang="ja-JP" altLang="en-US"/>
           </a:p>
@@ -2927,7 +2927,7 @@
           <a:p>
             <a:fld id="{04A359D8-C195-8E4B-82CB-49993982F06D}" type="datetimeFigureOut">
               <a:rPr kumimoji="1" lang="ja-JP" altLang="en-US" smtClean="0"/>
-              <a:t>2021/3/4</a:t>
+              <a:t>2021/3/5</a:t>
             </a:fld>
             <a:endParaRPr kumimoji="1" lang="ja-JP" altLang="en-US"/>
           </a:p>
@@ -3200,7 +3200,7 @@
           <a:p>
             <a:fld id="{04A359D8-C195-8E4B-82CB-49993982F06D}" type="datetimeFigureOut">
               <a:rPr kumimoji="1" lang="ja-JP" altLang="en-US" smtClean="0"/>
-              <a:t>2021/3/4</a:t>
+              <a:t>2021/3/5</a:t>
             </a:fld>
             <a:endParaRPr kumimoji="1" lang="ja-JP" altLang="en-US"/>
           </a:p>
@@ -5389,7 +5389,7 @@
         </p:nvSpPr>
         <p:spPr>
           <a:xfrm>
-            <a:off x="6850669" y="2781182"/>
+            <a:off x="6815045" y="2448981"/>
             <a:ext cx="4059125" cy="307777"/>
           </a:xfrm>
           <a:prstGeom prst="rect">
@@ -5712,14 +5712,13 @@
           </p:cNvPr>
           <p:cNvCxnSpPr>
             <a:cxnSpLocks/>
-            <a:stCxn id="8" idx="1"/>
           </p:cNvCxnSpPr>
           <p:nvPr/>
         </p:nvCxnSpPr>
         <p:spPr>
           <a:xfrm flipH="1">
-            <a:off x="5926751" y="2935071"/>
-            <a:ext cx="923918" cy="2380130"/>
+            <a:off x="5941662" y="2756758"/>
+            <a:ext cx="909007" cy="2666915"/>
           </a:xfrm>
           <a:prstGeom prst="straightConnector1">
             <a:avLst/>
@@ -5943,8 +5942,8 @@
         </p:nvSpPr>
         <p:spPr>
           <a:xfrm>
-            <a:off x="6850669" y="3097733"/>
-            <a:ext cx="5391219" cy="307777"/>
+            <a:off x="6850669" y="2870295"/>
+            <a:ext cx="4493538" cy="523220"/>
           </a:xfrm>
           <a:prstGeom prst="rect">
             <a:avLst/>
@@ -5963,8 +5962,11 @@
             </a:r>
             <a:r>
               <a:rPr lang="ja-JP" altLang="en-US" sz="1400"/>
-              <a:t>：</a:t>
-            </a:r>
+              <a:t>、モザイク機能：</a:t>
+            </a:r>
+            <a:endParaRPr lang="en-US" altLang="ja-JP" sz="1400" dirty="0"/>
+          </a:p>
+          <a:p>
             <a:r>
               <a:rPr kumimoji="1" lang="ja-JP" altLang="en-US" sz="1400"/>
               <a:t>スライダで</a:t>
@@ -6181,7 +6183,7 @@
         <p:spPr>
           <a:xfrm>
             <a:off x="6850669" y="4738179"/>
-            <a:ext cx="4493538" cy="307777"/>
+            <a:ext cx="3595856" cy="307777"/>
           </a:xfrm>
           <a:prstGeom prst="rect">
             <a:avLst/>
@@ -6196,7 +6198,7 @@
           <a:p>
             <a:r>
               <a:rPr kumimoji="1" lang="ja-JP" altLang="en-US" sz="1400"/>
-              <a:t>・モザイク、モノクロ機能</a:t>
+              <a:t>・モノクロ機能</a:t>
             </a:r>
             <a:r>
               <a:rPr lang="ja-JP" altLang="en-US" sz="1400"/>

--- a/InstaExt/docs/InstaExt_Ver1.1_画面仕様書.pptx
+++ b/InstaExt/docs/InstaExt_Ver1.1_画面仕様書.pptx
@@ -3673,8 +3673,8 @@
           <a:lstStyle/>
           <a:p>
             <a:r>
-              <a:rPr kumimoji="1" lang="en-US" altLang="ja-JP" dirty="0"/>
-              <a:t>2021/03/04</a:t>
+              <a:rPr kumimoji="1" lang="en-US" altLang="ja-JP"/>
+              <a:t>2021/03/05</a:t>
             </a:r>
             <a:endParaRPr kumimoji="1" lang="ja-JP" altLang="en-US"/>
           </a:p>

--- a/InstaExt/docs/InstaExt_Ver1.1_画面仕様書.pptx
+++ b/InstaExt/docs/InstaExt_Ver1.1_画面仕様書.pptx
@@ -9,6 +9,7 @@
     <p:sldId id="257" r:id="rId3"/>
     <p:sldId id="258" r:id="rId4"/>
     <p:sldId id="260" r:id="rId5"/>
+    <p:sldId id="261" r:id="rId6"/>
   </p:sldIdLst>
   <p:sldSz cx="12192000" cy="6858000"/>
   <p:notesSz cx="6858000" cy="9144000"/>
@@ -6350,6 +6351,1034 @@
 </p:sld>
 </file>
 
+<file path=ppt/slides/slide5.xml><?xml version="1.0" encoding="utf-8"?>
+<p:sld xmlns:a="http://schemas.openxmlformats.org/drawingml/2006/main" xmlns:r="http://schemas.openxmlformats.org/officeDocument/2006/relationships" xmlns:p="http://schemas.openxmlformats.org/presentationml/2006/main">
+  <p:cSld>
+    <p:spTree>
+      <p:nvGrpSpPr>
+        <p:cNvPr id="1" name=""/>
+        <p:cNvGrpSpPr/>
+        <p:nvPr/>
+      </p:nvGrpSpPr>
+      <p:grpSpPr>
+        <a:xfrm>
+          <a:off x="0" y="0"/>
+          <a:ext cx="0" cy="0"/>
+          <a:chOff x="0" y="0"/>
+          <a:chExt cx="0" cy="0"/>
+        </a:xfrm>
+      </p:grpSpPr>
+      <p:grpSp>
+        <p:nvGrpSpPr>
+          <p:cNvPr id="2" name="グループ化 1">
+            <a:extLst>
+              <a:ext uri="{FF2B5EF4-FFF2-40B4-BE49-F238E27FC236}">
+                <a16:creationId xmlns:a16="http://schemas.microsoft.com/office/drawing/2014/main" id="{83CC42CC-AD5A-CB40-83A2-2DFC7EA6A02E}"/>
+              </a:ext>
+            </a:extLst>
+          </p:cNvPr>
+          <p:cNvGrpSpPr/>
+          <p:nvPr/>
+        </p:nvGrpSpPr>
+        <p:grpSpPr>
+          <a:xfrm>
+            <a:off x="3356073" y="953217"/>
+            <a:ext cx="2961862" cy="5108714"/>
+            <a:chOff x="755373" y="755374"/>
+            <a:chExt cx="2961862" cy="5108714"/>
+          </a:xfrm>
+        </p:grpSpPr>
+        <p:sp>
+          <p:nvSpPr>
+            <p:cNvPr id="3" name="正方形/長方形 2">
+              <a:extLst>
+                <a:ext uri="{FF2B5EF4-FFF2-40B4-BE49-F238E27FC236}">
+                  <a16:creationId xmlns:a16="http://schemas.microsoft.com/office/drawing/2014/main" id="{B7E7E50B-2BA7-D949-98F9-CAE6C336A228}"/>
+                </a:ext>
+              </a:extLst>
+            </p:cNvPr>
+            <p:cNvSpPr/>
+            <p:nvPr/>
+          </p:nvSpPr>
+          <p:spPr>
+            <a:xfrm>
+              <a:off x="755374" y="755374"/>
+              <a:ext cx="2961861" cy="5108713"/>
+            </a:xfrm>
+            <a:prstGeom prst="rect">
+              <a:avLst/>
+            </a:prstGeom>
+            <a:ln>
+              <a:solidFill>
+                <a:srgbClr val="C00000"/>
+              </a:solidFill>
+            </a:ln>
+          </p:spPr>
+          <p:style>
+            <a:lnRef idx="2">
+              <a:schemeClr val="accent6"/>
+            </a:lnRef>
+            <a:fillRef idx="1">
+              <a:schemeClr val="lt1"/>
+            </a:fillRef>
+            <a:effectRef idx="0">
+              <a:schemeClr val="accent6"/>
+            </a:effectRef>
+            <a:fontRef idx="minor">
+              <a:schemeClr val="dk1"/>
+            </a:fontRef>
+          </p:style>
+          <p:txBody>
+            <a:bodyPr rtlCol="0" anchor="ctr"/>
+            <a:lstStyle/>
+            <a:p>
+              <a:pPr algn="ctr"/>
+              <a:r>
+                <a:rPr kumimoji="1" lang="ja-JP" altLang="en-US"/>
+                <a:t>編集中の</a:t>
+              </a:r>
+              <a:r>
+                <a:rPr lang="ja-JP" altLang="en-US"/>
+                <a:t>画像</a:t>
+              </a:r>
+              <a:endParaRPr kumimoji="1" lang="ja-JP" altLang="en-US"/>
+            </a:p>
+          </p:txBody>
+        </p:sp>
+        <p:sp>
+          <p:nvSpPr>
+            <p:cNvPr id="4" name="正方形/長方形 3">
+              <a:extLst>
+                <a:ext uri="{FF2B5EF4-FFF2-40B4-BE49-F238E27FC236}">
+                  <a16:creationId xmlns:a16="http://schemas.microsoft.com/office/drawing/2014/main" id="{C5325770-88D7-7240-9EFC-35AB524B44BA}"/>
+                </a:ext>
+              </a:extLst>
+            </p:cNvPr>
+            <p:cNvSpPr/>
+            <p:nvPr/>
+          </p:nvSpPr>
+          <p:spPr>
+            <a:xfrm>
+              <a:off x="755374" y="755374"/>
+              <a:ext cx="2961861" cy="596348"/>
+            </a:xfrm>
+            <a:prstGeom prst="rect">
+              <a:avLst/>
+            </a:prstGeom>
+            <a:ln>
+              <a:solidFill>
+                <a:srgbClr val="C00000"/>
+              </a:solidFill>
+            </a:ln>
+          </p:spPr>
+          <p:style>
+            <a:lnRef idx="2">
+              <a:schemeClr val="accent6"/>
+            </a:lnRef>
+            <a:fillRef idx="1">
+              <a:schemeClr val="lt1"/>
+            </a:fillRef>
+            <a:effectRef idx="0">
+              <a:schemeClr val="accent6"/>
+            </a:effectRef>
+            <a:fontRef idx="minor">
+              <a:schemeClr val="dk1"/>
+            </a:fontRef>
+          </p:style>
+          <p:txBody>
+            <a:bodyPr rtlCol="0" anchor="ctr"/>
+            <a:lstStyle/>
+            <a:p>
+              <a:pPr algn="r"/>
+              <a:endParaRPr kumimoji="1" lang="ja-JP" altLang="en-US" sz="1400" dirty="0"/>
+            </a:p>
+          </p:txBody>
+        </p:sp>
+        <p:sp>
+          <p:nvSpPr>
+            <p:cNvPr id="10" name="正方形/長方形 9">
+              <a:extLst>
+                <a:ext uri="{FF2B5EF4-FFF2-40B4-BE49-F238E27FC236}">
+                  <a16:creationId xmlns:a16="http://schemas.microsoft.com/office/drawing/2014/main" id="{80CF8EBE-F499-DD40-8A65-D52B7EF6A77F}"/>
+                </a:ext>
+              </a:extLst>
+            </p:cNvPr>
+            <p:cNvSpPr/>
+            <p:nvPr/>
+          </p:nvSpPr>
+          <p:spPr>
+            <a:xfrm>
+              <a:off x="755373" y="4908547"/>
+              <a:ext cx="2961862" cy="955541"/>
+            </a:xfrm>
+            <a:prstGeom prst="rect">
+              <a:avLst/>
+            </a:prstGeom>
+            <a:ln>
+              <a:solidFill>
+                <a:srgbClr val="C00000"/>
+              </a:solidFill>
+            </a:ln>
+          </p:spPr>
+          <p:style>
+            <a:lnRef idx="2">
+              <a:schemeClr val="accent6"/>
+            </a:lnRef>
+            <a:fillRef idx="1">
+              <a:schemeClr val="lt1"/>
+            </a:fillRef>
+            <a:effectRef idx="0">
+              <a:schemeClr val="accent6"/>
+            </a:effectRef>
+            <a:fontRef idx="minor">
+              <a:schemeClr val="dk1"/>
+            </a:fontRef>
+          </p:style>
+          <p:txBody>
+            <a:bodyPr rtlCol="0" anchor="ctr"/>
+            <a:lstStyle/>
+            <a:p>
+              <a:pPr algn="r"/>
+              <a:endParaRPr kumimoji="1" lang="ja-JP" altLang="en-US" sz="1400" dirty="0"/>
+            </a:p>
+          </p:txBody>
+        </p:sp>
+      </p:grpSp>
+      <p:sp>
+        <p:nvSpPr>
+          <p:cNvPr id="17" name="正方形/長方形 16">
+            <a:extLst>
+              <a:ext uri="{FF2B5EF4-FFF2-40B4-BE49-F238E27FC236}">
+                <a16:creationId xmlns:a16="http://schemas.microsoft.com/office/drawing/2014/main" id="{C2B7FBEF-3CFC-5940-9106-2F4613A6A6C1}"/>
+              </a:ext>
+            </a:extLst>
+          </p:cNvPr>
+          <p:cNvSpPr/>
+          <p:nvPr/>
+        </p:nvSpPr>
+        <p:spPr>
+          <a:xfrm>
+            <a:off x="2722419" y="374524"/>
+            <a:ext cx="4272718" cy="438039"/>
+          </a:xfrm>
+          <a:prstGeom prst="rect">
+            <a:avLst/>
+          </a:prstGeom>
+          <a:ln>
+            <a:noFill/>
+          </a:ln>
+        </p:spPr>
+        <p:style>
+          <a:lnRef idx="2">
+            <a:schemeClr val="accent6"/>
+          </a:lnRef>
+          <a:fillRef idx="1">
+            <a:schemeClr val="lt1"/>
+          </a:fillRef>
+          <a:effectRef idx="0">
+            <a:schemeClr val="accent6"/>
+          </a:effectRef>
+          <a:fontRef idx="minor">
+            <a:schemeClr val="dk1"/>
+          </a:fontRef>
+        </p:style>
+        <p:txBody>
+          <a:bodyPr rtlCol="0" anchor="ctr"/>
+          <a:lstStyle/>
+          <a:p>
+            <a:pPr algn="ctr"/>
+            <a:r>
+              <a:rPr lang="ja-JP" altLang="en-US"/>
+              <a:t>＜</a:t>
+            </a:r>
+            <a:r>
+              <a:rPr kumimoji="1" lang="ja-JP" altLang="en-US"/>
+              <a:t>編集画面</a:t>
+            </a:r>
+            <a:r>
+              <a:rPr kumimoji="1" lang="en-US" altLang="ja-JP" dirty="0"/>
+              <a:t>(</a:t>
+            </a:r>
+            <a:r>
+              <a:rPr kumimoji="1" lang="ja-JP" altLang="en-US"/>
+              <a:t>ぼかし・モザイク</a:t>
+            </a:r>
+            <a:r>
+              <a:rPr kumimoji="1" lang="en-US" altLang="ja-JP" dirty="0"/>
+              <a:t>)</a:t>
+            </a:r>
+            <a:r>
+              <a:rPr kumimoji="1" lang="ja-JP" altLang="en-US"/>
+              <a:t>詳細＞</a:t>
+            </a:r>
+            <a:endParaRPr kumimoji="1" lang="ja-JP" altLang="en-US" dirty="0"/>
+          </a:p>
+        </p:txBody>
+      </p:sp>
+      <p:sp>
+        <p:nvSpPr>
+          <p:cNvPr id="5" name="テキスト ボックス 4">
+            <a:extLst>
+              <a:ext uri="{FF2B5EF4-FFF2-40B4-BE49-F238E27FC236}">
+                <a16:creationId xmlns:a16="http://schemas.microsoft.com/office/drawing/2014/main" id="{25607A0B-341B-B542-B703-40227CB8B4DF}"/>
+              </a:ext>
+            </a:extLst>
+          </p:cNvPr>
+          <p:cNvSpPr txBox="1"/>
+          <p:nvPr/>
+        </p:nvSpPr>
+        <p:spPr>
+          <a:xfrm>
+            <a:off x="4315830" y="1097502"/>
+            <a:ext cx="1082348" cy="307777"/>
+          </a:xfrm>
+          <a:prstGeom prst="rect">
+            <a:avLst/>
+          </a:prstGeom>
+          <a:noFill/>
+        </p:spPr>
+        <p:txBody>
+          <a:bodyPr wrap="none" rtlCol="0">
+            <a:spAutoFit/>
+          </a:bodyPr>
+          <a:lstStyle/>
+          <a:p>
+            <a:r>
+              <a:rPr kumimoji="1" lang="ja-JP" altLang="en-US" sz="1400"/>
+              <a:t>編集機能名</a:t>
+            </a:r>
+          </a:p>
+        </p:txBody>
+      </p:sp>
+      <p:sp>
+        <p:nvSpPr>
+          <p:cNvPr id="36" name="角丸四角形 35">
+            <a:extLst>
+              <a:ext uri="{FF2B5EF4-FFF2-40B4-BE49-F238E27FC236}">
+                <a16:creationId xmlns:a16="http://schemas.microsoft.com/office/drawing/2014/main" id="{54337FE6-22B0-FA46-8DEB-53A26BC0694F}"/>
+              </a:ext>
+            </a:extLst>
+          </p:cNvPr>
+          <p:cNvSpPr>
+            <a:spLocks noChangeAspect="1"/>
+          </p:cNvSpPr>
+          <p:nvPr/>
+        </p:nvSpPr>
+        <p:spPr>
+          <a:xfrm>
+            <a:off x="3472922" y="1019712"/>
+            <a:ext cx="432000" cy="432000"/>
+          </a:xfrm>
+          <a:prstGeom prst="roundRect">
+            <a:avLst/>
+          </a:prstGeom>
+          <a:noFill/>
+          <a:ln>
+            <a:solidFill>
+              <a:srgbClr val="C00000"/>
+            </a:solidFill>
+          </a:ln>
+        </p:spPr>
+        <p:style>
+          <a:lnRef idx="2">
+            <a:schemeClr val="accent1">
+              <a:shade val="50000"/>
+            </a:schemeClr>
+          </a:lnRef>
+          <a:fillRef idx="1">
+            <a:schemeClr val="accent1"/>
+          </a:fillRef>
+          <a:effectRef idx="0">
+            <a:schemeClr val="accent1"/>
+          </a:effectRef>
+          <a:fontRef idx="minor">
+            <a:schemeClr val="lt1"/>
+          </a:fontRef>
+        </p:style>
+        <p:txBody>
+          <a:bodyPr rtlCol="0" anchor="ctr"/>
+          <a:lstStyle/>
+          <a:p>
+            <a:pPr algn="ctr"/>
+            <a:endParaRPr kumimoji="1" lang="ja-JP" altLang="en-US"/>
+          </a:p>
+        </p:txBody>
+      </p:sp>
+      <p:sp>
+        <p:nvSpPr>
+          <p:cNvPr id="37" name="テキスト ボックス 36">
+            <a:extLst>
+              <a:ext uri="{FF2B5EF4-FFF2-40B4-BE49-F238E27FC236}">
+                <a16:creationId xmlns:a16="http://schemas.microsoft.com/office/drawing/2014/main" id="{73505F47-B6F3-D242-94D9-478C3CF59313}"/>
+              </a:ext>
+            </a:extLst>
+          </p:cNvPr>
+          <p:cNvSpPr txBox="1"/>
+          <p:nvPr/>
+        </p:nvSpPr>
+        <p:spPr>
+          <a:xfrm>
+            <a:off x="1713023" y="1109346"/>
+            <a:ext cx="3123981" cy="523220"/>
+          </a:xfrm>
+          <a:prstGeom prst="rect">
+            <a:avLst/>
+          </a:prstGeom>
+          <a:noFill/>
+        </p:spPr>
+        <p:txBody>
+          <a:bodyPr wrap="square" rtlCol="0">
+            <a:spAutoFit/>
+          </a:bodyPr>
+          <a:lstStyle/>
+          <a:p>
+            <a:r>
+              <a:rPr kumimoji="1" lang="ja-JP" altLang="en-US" sz="1400"/>
+              <a:t>キャンセルボタン</a:t>
+            </a:r>
+            <a:endParaRPr kumimoji="1" lang="en-US" altLang="ja-JP" sz="1400" dirty="0"/>
+          </a:p>
+          <a:p>
+            <a:endParaRPr kumimoji="1" lang="ja-JP" altLang="en-US" sz="1400"/>
+          </a:p>
+        </p:txBody>
+      </p:sp>
+      <p:sp>
+        <p:nvSpPr>
+          <p:cNvPr id="40" name="角丸四角形 39">
+            <a:extLst>
+              <a:ext uri="{FF2B5EF4-FFF2-40B4-BE49-F238E27FC236}">
+                <a16:creationId xmlns:a16="http://schemas.microsoft.com/office/drawing/2014/main" id="{AF68608C-283D-B84F-98CE-A9E1DAF64EE1}"/>
+              </a:ext>
+            </a:extLst>
+          </p:cNvPr>
+          <p:cNvSpPr>
+            <a:spLocks noChangeAspect="1"/>
+          </p:cNvSpPr>
+          <p:nvPr/>
+        </p:nvSpPr>
+        <p:spPr>
+          <a:xfrm>
+            <a:off x="5783249" y="1024771"/>
+            <a:ext cx="432000" cy="432000"/>
+          </a:xfrm>
+          <a:prstGeom prst="roundRect">
+            <a:avLst/>
+          </a:prstGeom>
+          <a:noFill/>
+          <a:ln>
+            <a:solidFill>
+              <a:srgbClr val="C00000"/>
+            </a:solidFill>
+          </a:ln>
+        </p:spPr>
+        <p:style>
+          <a:lnRef idx="2">
+            <a:schemeClr val="accent1">
+              <a:shade val="50000"/>
+            </a:schemeClr>
+          </a:lnRef>
+          <a:fillRef idx="1">
+            <a:schemeClr val="accent1"/>
+          </a:fillRef>
+          <a:effectRef idx="0">
+            <a:schemeClr val="accent1"/>
+          </a:effectRef>
+          <a:fontRef idx="minor">
+            <a:schemeClr val="lt1"/>
+          </a:fontRef>
+        </p:style>
+        <p:txBody>
+          <a:bodyPr rtlCol="0" anchor="ctr"/>
+          <a:lstStyle/>
+          <a:p>
+            <a:pPr algn="ctr"/>
+            <a:endParaRPr kumimoji="1" lang="ja-JP" altLang="en-US"/>
+          </a:p>
+        </p:txBody>
+      </p:sp>
+      <p:sp>
+        <p:nvSpPr>
+          <p:cNvPr id="42" name="テキスト ボックス 41">
+            <a:extLst>
+              <a:ext uri="{FF2B5EF4-FFF2-40B4-BE49-F238E27FC236}">
+                <a16:creationId xmlns:a16="http://schemas.microsoft.com/office/drawing/2014/main" id="{21537481-0C7A-E94B-9FE3-77C1CB238A63}"/>
+              </a:ext>
+            </a:extLst>
+          </p:cNvPr>
+          <p:cNvSpPr txBox="1"/>
+          <p:nvPr/>
+        </p:nvSpPr>
+        <p:spPr>
+          <a:xfrm>
+            <a:off x="6417353" y="1088610"/>
+            <a:ext cx="1398109" cy="307777"/>
+          </a:xfrm>
+          <a:prstGeom prst="rect">
+            <a:avLst/>
+          </a:prstGeom>
+          <a:noFill/>
+        </p:spPr>
+        <p:txBody>
+          <a:bodyPr wrap="square" rtlCol="0">
+            <a:spAutoFit/>
+          </a:bodyPr>
+          <a:lstStyle/>
+          <a:p>
+            <a:r>
+              <a:rPr kumimoji="1" lang="ja-JP" altLang="en-US" sz="1400"/>
+              <a:t>完了ボタン</a:t>
+            </a:r>
+            <a:endParaRPr kumimoji="1" lang="en-US" altLang="ja-JP" sz="1400" dirty="0"/>
+          </a:p>
+        </p:txBody>
+      </p:sp>
+      <p:grpSp>
+        <p:nvGrpSpPr>
+          <p:cNvPr id="15" name="グループ化 14">
+            <a:extLst>
+              <a:ext uri="{FF2B5EF4-FFF2-40B4-BE49-F238E27FC236}">
+                <a16:creationId xmlns:a16="http://schemas.microsoft.com/office/drawing/2014/main" id="{6FC4D971-9700-2F48-A2F0-D3DA61C3E567}"/>
+              </a:ext>
+            </a:extLst>
+          </p:cNvPr>
+          <p:cNvGrpSpPr/>
+          <p:nvPr/>
+        </p:nvGrpSpPr>
+        <p:grpSpPr>
+          <a:xfrm>
+            <a:off x="3358037" y="5119638"/>
+            <a:ext cx="2961862" cy="955541"/>
+            <a:chOff x="6940996" y="3193241"/>
+            <a:chExt cx="2961862" cy="955541"/>
+          </a:xfrm>
+        </p:grpSpPr>
+        <p:sp>
+          <p:nvSpPr>
+            <p:cNvPr id="26" name="正方形/長方形 25">
+              <a:extLst>
+                <a:ext uri="{FF2B5EF4-FFF2-40B4-BE49-F238E27FC236}">
+                  <a16:creationId xmlns:a16="http://schemas.microsoft.com/office/drawing/2014/main" id="{66761799-92AE-BA45-9B61-62B712A09692}"/>
+                </a:ext>
+              </a:extLst>
+            </p:cNvPr>
+            <p:cNvSpPr/>
+            <p:nvPr/>
+          </p:nvSpPr>
+          <p:spPr>
+            <a:xfrm>
+              <a:off x="6940996" y="3193241"/>
+              <a:ext cx="2961862" cy="955541"/>
+            </a:xfrm>
+            <a:prstGeom prst="rect">
+              <a:avLst/>
+            </a:prstGeom>
+            <a:ln>
+              <a:solidFill>
+                <a:srgbClr val="C00000"/>
+              </a:solidFill>
+            </a:ln>
+          </p:spPr>
+          <p:style>
+            <a:lnRef idx="2">
+              <a:schemeClr val="accent6"/>
+            </a:lnRef>
+            <a:fillRef idx="1">
+              <a:schemeClr val="lt1"/>
+            </a:fillRef>
+            <a:effectRef idx="0">
+              <a:schemeClr val="accent6"/>
+            </a:effectRef>
+            <a:fontRef idx="minor">
+              <a:schemeClr val="dk1"/>
+            </a:fontRef>
+          </p:style>
+          <p:txBody>
+            <a:bodyPr rtlCol="0" anchor="ctr"/>
+            <a:lstStyle/>
+            <a:p>
+              <a:pPr algn="r"/>
+              <a:endParaRPr kumimoji="1" lang="ja-JP" altLang="en-US" sz="1400" dirty="0"/>
+            </a:p>
+          </p:txBody>
+        </p:sp>
+        <p:sp>
+          <p:nvSpPr>
+            <p:cNvPr id="29" name="角丸四角形 28">
+              <a:extLst>
+                <a:ext uri="{FF2B5EF4-FFF2-40B4-BE49-F238E27FC236}">
+                  <a16:creationId xmlns:a16="http://schemas.microsoft.com/office/drawing/2014/main" id="{3D38EDCC-6163-084E-B4A1-32B894FE5980}"/>
+                </a:ext>
+              </a:extLst>
+            </p:cNvPr>
+            <p:cNvSpPr/>
+            <p:nvPr/>
+          </p:nvSpPr>
+          <p:spPr>
+            <a:xfrm>
+              <a:off x="7347298" y="3819891"/>
+              <a:ext cx="2113808" cy="59377"/>
+            </a:xfrm>
+            <a:prstGeom prst="roundRect">
+              <a:avLst/>
+            </a:prstGeom>
+            <a:solidFill>
+              <a:schemeClr val="tx1">
+                <a:lumMod val="50000"/>
+                <a:lumOff val="50000"/>
+              </a:schemeClr>
+            </a:solidFill>
+            <a:ln>
+              <a:solidFill>
+                <a:schemeClr val="tx1">
+                  <a:lumMod val="50000"/>
+                  <a:lumOff val="50000"/>
+                </a:schemeClr>
+              </a:solidFill>
+            </a:ln>
+          </p:spPr>
+          <p:style>
+            <a:lnRef idx="2">
+              <a:schemeClr val="accent1">
+                <a:shade val="50000"/>
+              </a:schemeClr>
+            </a:lnRef>
+            <a:fillRef idx="1">
+              <a:schemeClr val="accent1"/>
+            </a:fillRef>
+            <a:effectRef idx="0">
+              <a:schemeClr val="accent1"/>
+            </a:effectRef>
+            <a:fontRef idx="minor">
+              <a:schemeClr val="lt1"/>
+            </a:fontRef>
+          </p:style>
+          <p:txBody>
+            <a:bodyPr rtlCol="0" anchor="ctr"/>
+            <a:lstStyle/>
+            <a:p>
+              <a:pPr algn="ctr"/>
+              <a:endParaRPr kumimoji="1" lang="ja-JP" altLang="en-US"/>
+            </a:p>
+          </p:txBody>
+        </p:sp>
+        <p:sp>
+          <p:nvSpPr>
+            <p:cNvPr id="30" name="円/楕円 29">
+              <a:extLst>
+                <a:ext uri="{FF2B5EF4-FFF2-40B4-BE49-F238E27FC236}">
+                  <a16:creationId xmlns:a16="http://schemas.microsoft.com/office/drawing/2014/main" id="{48F15E69-B528-9849-B788-9F646847DCF1}"/>
+                </a:ext>
+              </a:extLst>
+            </p:cNvPr>
+            <p:cNvSpPr>
+              <a:spLocks noChangeAspect="1"/>
+            </p:cNvSpPr>
+            <p:nvPr/>
+          </p:nvSpPr>
+          <p:spPr>
+            <a:xfrm>
+              <a:off x="8511078" y="3723579"/>
+              <a:ext cx="252000" cy="252000"/>
+            </a:xfrm>
+            <a:prstGeom prst="ellipse">
+              <a:avLst/>
+            </a:prstGeom>
+            <a:solidFill>
+              <a:schemeClr val="bg1"/>
+            </a:solidFill>
+            <a:ln>
+              <a:solidFill>
+                <a:schemeClr val="tx1"/>
+              </a:solidFill>
+            </a:ln>
+          </p:spPr>
+          <p:style>
+            <a:lnRef idx="2">
+              <a:schemeClr val="accent1">
+                <a:shade val="50000"/>
+              </a:schemeClr>
+            </a:lnRef>
+            <a:fillRef idx="1">
+              <a:schemeClr val="accent1"/>
+            </a:fillRef>
+            <a:effectRef idx="0">
+              <a:schemeClr val="accent1"/>
+            </a:effectRef>
+            <a:fontRef idx="minor">
+              <a:schemeClr val="lt1"/>
+            </a:fontRef>
+          </p:style>
+          <p:txBody>
+            <a:bodyPr rtlCol="0" anchor="ctr"/>
+            <a:lstStyle/>
+            <a:p>
+              <a:pPr algn="ctr"/>
+              <a:endParaRPr kumimoji="1" lang="ja-JP" altLang="en-US"/>
+            </a:p>
+          </p:txBody>
+        </p:sp>
+      </p:grpSp>
+      <p:sp>
+        <p:nvSpPr>
+          <p:cNvPr id="6" name="正方形/長方形 5">
+            <a:extLst>
+              <a:ext uri="{FF2B5EF4-FFF2-40B4-BE49-F238E27FC236}">
+                <a16:creationId xmlns:a16="http://schemas.microsoft.com/office/drawing/2014/main" id="{0B19C50D-5DCC-5940-B508-E82E04691022}"/>
+              </a:ext>
+            </a:extLst>
+          </p:cNvPr>
+          <p:cNvSpPr/>
+          <p:nvPr/>
+        </p:nvSpPr>
+        <p:spPr>
+          <a:xfrm>
+            <a:off x="4855217" y="5106389"/>
+            <a:ext cx="1464681" cy="307991"/>
+          </a:xfrm>
+          <a:prstGeom prst="rect">
+            <a:avLst/>
+          </a:prstGeom>
+          <a:noFill/>
+          <a:ln>
+            <a:solidFill>
+              <a:srgbClr val="C00000"/>
+            </a:solidFill>
+          </a:ln>
+        </p:spPr>
+        <p:style>
+          <a:lnRef idx="2">
+            <a:schemeClr val="accent1">
+              <a:shade val="50000"/>
+            </a:schemeClr>
+          </a:lnRef>
+          <a:fillRef idx="1">
+            <a:schemeClr val="accent1"/>
+          </a:fillRef>
+          <a:effectRef idx="0">
+            <a:schemeClr val="accent1"/>
+          </a:effectRef>
+          <a:fontRef idx="minor">
+            <a:schemeClr val="lt1"/>
+          </a:fontRef>
+        </p:style>
+        <p:txBody>
+          <a:bodyPr rtlCol="0" anchor="ctr"/>
+          <a:lstStyle/>
+          <a:p>
+            <a:pPr algn="ctr"/>
+            <a:r>
+              <a:rPr kumimoji="1" lang="ja-JP" altLang="en-US">
+                <a:solidFill>
+                  <a:schemeClr val="tx1"/>
+                </a:solidFill>
+              </a:rPr>
+              <a:t>描画</a:t>
+            </a:r>
+          </a:p>
+        </p:txBody>
+      </p:sp>
+      <p:sp>
+        <p:nvSpPr>
+          <p:cNvPr id="28" name="正方形/長方形 27">
+            <a:extLst>
+              <a:ext uri="{FF2B5EF4-FFF2-40B4-BE49-F238E27FC236}">
+                <a16:creationId xmlns:a16="http://schemas.microsoft.com/office/drawing/2014/main" id="{BBEAED49-7F86-A141-A2BF-06F24FAD0B73}"/>
+              </a:ext>
+            </a:extLst>
+          </p:cNvPr>
+          <p:cNvSpPr/>
+          <p:nvPr/>
+        </p:nvSpPr>
+        <p:spPr>
+          <a:xfrm>
+            <a:off x="3356072" y="5106389"/>
+            <a:ext cx="1499146" cy="308311"/>
+          </a:xfrm>
+          <a:prstGeom prst="rect">
+            <a:avLst/>
+          </a:prstGeom>
+          <a:noFill/>
+          <a:ln>
+            <a:solidFill>
+              <a:srgbClr val="C00000"/>
+            </a:solidFill>
+          </a:ln>
+        </p:spPr>
+        <p:style>
+          <a:lnRef idx="2">
+            <a:schemeClr val="accent1">
+              <a:shade val="50000"/>
+            </a:schemeClr>
+          </a:lnRef>
+          <a:fillRef idx="1">
+            <a:schemeClr val="accent1"/>
+          </a:fillRef>
+          <a:effectRef idx="0">
+            <a:schemeClr val="accent1"/>
+          </a:effectRef>
+          <a:fontRef idx="minor">
+            <a:schemeClr val="lt1"/>
+          </a:fontRef>
+        </p:style>
+        <p:txBody>
+          <a:bodyPr rtlCol="0" anchor="ctr"/>
+          <a:lstStyle/>
+          <a:p>
+            <a:pPr algn="ctr"/>
+            <a:r>
+              <a:rPr kumimoji="1" lang="ja-JP" altLang="en-US">
+                <a:solidFill>
+                  <a:schemeClr val="tx1"/>
+                </a:solidFill>
+              </a:rPr>
+              <a:t>顔認識</a:t>
+            </a:r>
+          </a:p>
+        </p:txBody>
+      </p:sp>
+      <p:sp>
+        <p:nvSpPr>
+          <p:cNvPr id="31" name="テキスト ボックス 30">
+            <a:extLst>
+              <a:ext uri="{FF2B5EF4-FFF2-40B4-BE49-F238E27FC236}">
+                <a16:creationId xmlns:a16="http://schemas.microsoft.com/office/drawing/2014/main" id="{7F1D0B99-BCF4-094B-ADFB-C108ABB99DA8}"/>
+              </a:ext>
+            </a:extLst>
+          </p:cNvPr>
+          <p:cNvSpPr txBox="1"/>
+          <p:nvPr/>
+        </p:nvSpPr>
+        <p:spPr>
+          <a:xfrm>
+            <a:off x="6953552" y="5119638"/>
+            <a:ext cx="3112727" cy="738664"/>
+          </a:xfrm>
+          <a:prstGeom prst="rect">
+            <a:avLst/>
+          </a:prstGeom>
+          <a:noFill/>
+        </p:spPr>
+        <p:txBody>
+          <a:bodyPr wrap="square" rtlCol="0">
+            <a:spAutoFit/>
+          </a:bodyPr>
+          <a:lstStyle/>
+          <a:p>
+            <a:r>
+              <a:rPr lang="ja-JP" altLang="en-US" sz="1400"/>
+              <a:t>描画モード</a:t>
+            </a:r>
+            <a:endParaRPr kumimoji="1" lang="en-US" altLang="ja-JP" sz="1400" dirty="0"/>
+          </a:p>
+          <a:p>
+            <a:r>
+              <a:rPr lang="ja-JP" altLang="en-US" sz="1400"/>
+              <a:t>・画像をなぞった部分をぼかすことができる</a:t>
+            </a:r>
+            <a:endParaRPr kumimoji="1" lang="ja-JP" altLang="en-US" sz="1400"/>
+          </a:p>
+        </p:txBody>
+      </p:sp>
+      <p:cxnSp>
+        <p:nvCxnSpPr>
+          <p:cNvPr id="32" name="直線矢印コネクタ 31">
+            <a:extLst>
+              <a:ext uri="{FF2B5EF4-FFF2-40B4-BE49-F238E27FC236}">
+                <a16:creationId xmlns:a16="http://schemas.microsoft.com/office/drawing/2014/main" id="{039B23DE-D588-3545-9583-45AAA4EEEF87}"/>
+              </a:ext>
+            </a:extLst>
+          </p:cNvPr>
+          <p:cNvCxnSpPr>
+            <a:cxnSpLocks/>
+          </p:cNvCxnSpPr>
+          <p:nvPr/>
+        </p:nvCxnSpPr>
+        <p:spPr>
+          <a:xfrm flipH="1">
+            <a:off x="6096000" y="5260384"/>
+            <a:ext cx="746757" cy="0"/>
+          </a:xfrm>
+          <a:prstGeom prst="straightConnector1">
+            <a:avLst/>
+          </a:prstGeom>
+          <a:ln w="38100">
+            <a:tailEnd type="triangle"/>
+          </a:ln>
+        </p:spPr>
+        <p:style>
+          <a:lnRef idx="1">
+            <a:schemeClr val="dk1"/>
+          </a:lnRef>
+          <a:fillRef idx="0">
+            <a:schemeClr val="dk1"/>
+          </a:fillRef>
+          <a:effectRef idx="0">
+            <a:schemeClr val="dk1"/>
+          </a:effectRef>
+          <a:fontRef idx="minor">
+            <a:schemeClr val="tx1"/>
+          </a:fontRef>
+        </p:style>
+      </p:cxnSp>
+      <p:sp>
+        <p:nvSpPr>
+          <p:cNvPr id="33" name="テキスト ボックス 32">
+            <a:extLst>
+              <a:ext uri="{FF2B5EF4-FFF2-40B4-BE49-F238E27FC236}">
+                <a16:creationId xmlns:a16="http://schemas.microsoft.com/office/drawing/2014/main" id="{874D79C9-538D-AB45-B7DB-A68E9B6DEC91}"/>
+              </a:ext>
+            </a:extLst>
+          </p:cNvPr>
+          <p:cNvSpPr txBox="1"/>
+          <p:nvPr/>
+        </p:nvSpPr>
+        <p:spPr>
+          <a:xfrm>
+            <a:off x="6953552" y="2457793"/>
+            <a:ext cx="2563270" cy="1600438"/>
+          </a:xfrm>
+          <a:prstGeom prst="rect">
+            <a:avLst/>
+          </a:prstGeom>
+          <a:noFill/>
+        </p:spPr>
+        <p:txBody>
+          <a:bodyPr wrap="square" rtlCol="0">
+            <a:spAutoFit/>
+          </a:bodyPr>
+          <a:lstStyle/>
+          <a:p>
+            <a:r>
+              <a:rPr lang="ja-JP" altLang="en-US" sz="1400"/>
+              <a:t>顔認識モード</a:t>
+            </a:r>
+            <a:endParaRPr kumimoji="1" lang="en-US" altLang="ja-JP" sz="1400" dirty="0"/>
+          </a:p>
+          <a:p>
+            <a:r>
+              <a:rPr lang="ja-JP" altLang="en-US" sz="1400"/>
+              <a:t>・画像から検出された顔全てに矩形を表示する</a:t>
+            </a:r>
+            <a:endParaRPr lang="en-US" altLang="ja-JP" sz="1400" dirty="0"/>
+          </a:p>
+          <a:p>
+            <a:r>
+              <a:rPr kumimoji="1" lang="ja-JP" altLang="en-US" sz="1400"/>
+              <a:t>・矩形をタップすることで顔ぼかしの</a:t>
+            </a:r>
+            <a:r>
+              <a:rPr lang="ja-JP" altLang="en-US" sz="1400"/>
+              <a:t>有無を切り替える</a:t>
+            </a:r>
+            <a:endParaRPr lang="en-US" altLang="ja-JP" sz="1400" dirty="0"/>
+          </a:p>
+          <a:p>
+            <a:r>
+              <a:rPr kumimoji="1" lang="ja-JP" altLang="en-US" sz="1400"/>
+              <a:t>・初期状態は全ての顔ぼかしが</a:t>
+            </a:r>
+            <a:r>
+              <a:rPr kumimoji="1" lang="en-US" altLang="ja-JP" sz="1400" dirty="0"/>
+              <a:t>ON</a:t>
+            </a:r>
+            <a:endParaRPr kumimoji="1" lang="ja-JP" altLang="en-US" sz="1400"/>
+          </a:p>
+        </p:txBody>
+      </p:sp>
+      <p:cxnSp>
+        <p:nvCxnSpPr>
+          <p:cNvPr id="34" name="直線矢印コネクタ 33">
+            <a:extLst>
+              <a:ext uri="{FF2B5EF4-FFF2-40B4-BE49-F238E27FC236}">
+                <a16:creationId xmlns:a16="http://schemas.microsoft.com/office/drawing/2014/main" id="{77593733-E56C-C744-BFFE-ABC9BBFF74BA}"/>
+              </a:ext>
+            </a:extLst>
+          </p:cNvPr>
+          <p:cNvCxnSpPr>
+            <a:cxnSpLocks/>
+          </p:cNvCxnSpPr>
+          <p:nvPr/>
+        </p:nvCxnSpPr>
+        <p:spPr>
+          <a:xfrm flipH="1">
+            <a:off x="4489512" y="2785427"/>
+            <a:ext cx="2353246" cy="2535341"/>
+          </a:xfrm>
+          <a:prstGeom prst="straightConnector1">
+            <a:avLst/>
+          </a:prstGeom>
+          <a:ln w="38100">
+            <a:tailEnd type="triangle"/>
+          </a:ln>
+        </p:spPr>
+        <p:style>
+          <a:lnRef idx="1">
+            <a:schemeClr val="dk1"/>
+          </a:lnRef>
+          <a:fillRef idx="0">
+            <a:schemeClr val="dk1"/>
+          </a:fillRef>
+          <a:effectRef idx="0">
+            <a:schemeClr val="dk1"/>
+          </a:effectRef>
+          <a:fontRef idx="minor">
+            <a:schemeClr val="tx1"/>
+          </a:fontRef>
+        </p:style>
+      </p:cxnSp>
+      <p:sp>
+        <p:nvSpPr>
+          <p:cNvPr id="19" name="テキスト ボックス 18">
+            <a:extLst>
+              <a:ext uri="{FF2B5EF4-FFF2-40B4-BE49-F238E27FC236}">
+                <a16:creationId xmlns:a16="http://schemas.microsoft.com/office/drawing/2014/main" id="{1B66C14D-ACD9-BC46-82D3-D24355BEF932}"/>
+              </a:ext>
+            </a:extLst>
+          </p:cNvPr>
+          <p:cNvSpPr txBox="1"/>
+          <p:nvPr/>
+        </p:nvSpPr>
+        <p:spPr>
+          <a:xfrm>
+            <a:off x="921133" y="4951077"/>
+            <a:ext cx="2433957" cy="646331"/>
+          </a:xfrm>
+          <a:prstGeom prst="rect">
+            <a:avLst/>
+          </a:prstGeom>
+          <a:noFill/>
+        </p:spPr>
+        <p:txBody>
+          <a:bodyPr wrap="square" rtlCol="0">
+            <a:spAutoFit/>
+          </a:bodyPr>
+          <a:lstStyle/>
+          <a:p>
+            <a:r>
+              <a:rPr kumimoji="1" lang="en-US" altLang="ja-JP" dirty="0"/>
+              <a:t>2</a:t>
+            </a:r>
+            <a:r>
+              <a:rPr kumimoji="1" lang="ja-JP" altLang="en-US"/>
+              <a:t>つのモードをボタンで切り替える</a:t>
+            </a:r>
+          </a:p>
+        </p:txBody>
+      </p:sp>
+    </p:spTree>
+    <p:extLst>
+      <p:ext uri="{BB962C8B-B14F-4D97-AF65-F5344CB8AC3E}">
+        <p14:creationId xmlns:p14="http://schemas.microsoft.com/office/powerpoint/2010/main" val="1067534894"/>
+      </p:ext>
+    </p:extLst>
+  </p:cSld>
+  <p:clrMapOvr>
+    <a:masterClrMapping/>
+  </p:clrMapOvr>
+</p:sld>
+</file>
+
 <file path=ppt/theme/theme1.xml><?xml version="1.0" encoding="utf-8"?>
 <a:theme xmlns:a="http://schemas.openxmlformats.org/drawingml/2006/main" name="Office テーマ">
   <a:themeElements>
